--- a/CapitalOne_Transaction.pptx
+++ b/CapitalOne_Transaction.pptx
@@ -116,6 +116,11 @@
       </a:defRPr>
     </a:lvl9pPr>
   </p:defaultTextStyle>
+  <p:extLst>
+    <p:ext uri="{EFAFB233-063F-42B5-8137-9DF3F51BA10A}">
+      <p15:sldGuideLst xmlns:p15="http://schemas.microsoft.com/office/powerpoint/2012/main"/>
+    </p:ext>
+  </p:extLst>
 </p:presentation>
 </file>
 
@@ -266,7 +271,7 @@
           <a:p>
             <a:fld id="{3F64CD47-0E3D-764A-84DA-729078292D00}" type="datetimeFigureOut">
               <a:rPr lang="en-US" smtClean="0"/>
-              <a:t>2/10/24</a:t>
+              <a:t>2/11/24</a:t>
             </a:fld>
             <a:endParaRPr lang="en-US"/>
           </a:p>
@@ -464,7 +469,7 @@
           <a:p>
             <a:fld id="{3F64CD47-0E3D-764A-84DA-729078292D00}" type="datetimeFigureOut">
               <a:rPr lang="en-US" smtClean="0"/>
-              <a:t>2/10/24</a:t>
+              <a:t>2/11/24</a:t>
             </a:fld>
             <a:endParaRPr lang="en-US"/>
           </a:p>
@@ -672,7 +677,7 @@
           <a:p>
             <a:fld id="{3F64CD47-0E3D-764A-84DA-729078292D00}" type="datetimeFigureOut">
               <a:rPr lang="en-US" smtClean="0"/>
-              <a:t>2/10/24</a:t>
+              <a:t>2/11/24</a:t>
             </a:fld>
             <a:endParaRPr lang="en-US"/>
           </a:p>
@@ -870,7 +875,7 @@
           <a:p>
             <a:fld id="{3F64CD47-0E3D-764A-84DA-729078292D00}" type="datetimeFigureOut">
               <a:rPr lang="en-US" smtClean="0"/>
-              <a:t>2/10/24</a:t>
+              <a:t>2/11/24</a:t>
             </a:fld>
             <a:endParaRPr lang="en-US"/>
           </a:p>
@@ -1145,7 +1150,7 @@
           <a:p>
             <a:fld id="{3F64CD47-0E3D-764A-84DA-729078292D00}" type="datetimeFigureOut">
               <a:rPr lang="en-US" smtClean="0"/>
-              <a:t>2/10/24</a:t>
+              <a:t>2/11/24</a:t>
             </a:fld>
             <a:endParaRPr lang="en-US"/>
           </a:p>
@@ -1410,7 +1415,7 @@
           <a:p>
             <a:fld id="{3F64CD47-0E3D-764A-84DA-729078292D00}" type="datetimeFigureOut">
               <a:rPr lang="en-US" smtClean="0"/>
-              <a:t>2/10/24</a:t>
+              <a:t>2/11/24</a:t>
             </a:fld>
             <a:endParaRPr lang="en-US"/>
           </a:p>
@@ -1822,7 +1827,7 @@
           <a:p>
             <a:fld id="{3F64CD47-0E3D-764A-84DA-729078292D00}" type="datetimeFigureOut">
               <a:rPr lang="en-US" smtClean="0"/>
-              <a:t>2/10/24</a:t>
+              <a:t>2/11/24</a:t>
             </a:fld>
             <a:endParaRPr lang="en-US"/>
           </a:p>
@@ -1963,7 +1968,7 @@
           <a:p>
             <a:fld id="{3F64CD47-0E3D-764A-84DA-729078292D00}" type="datetimeFigureOut">
               <a:rPr lang="en-US" smtClean="0"/>
-              <a:t>2/10/24</a:t>
+              <a:t>2/11/24</a:t>
             </a:fld>
             <a:endParaRPr lang="en-US"/>
           </a:p>
@@ -2076,7 +2081,7 @@
           <a:p>
             <a:fld id="{3F64CD47-0E3D-764A-84DA-729078292D00}" type="datetimeFigureOut">
               <a:rPr lang="en-US" smtClean="0"/>
-              <a:t>2/10/24</a:t>
+              <a:t>2/11/24</a:t>
             </a:fld>
             <a:endParaRPr lang="en-US"/>
           </a:p>
@@ -2387,7 +2392,7 @@
           <a:p>
             <a:fld id="{3F64CD47-0E3D-764A-84DA-729078292D00}" type="datetimeFigureOut">
               <a:rPr lang="en-US" smtClean="0"/>
-              <a:t>2/10/24</a:t>
+              <a:t>2/11/24</a:t>
             </a:fld>
             <a:endParaRPr lang="en-US"/>
           </a:p>
@@ -2675,7 +2680,7 @@
           <a:p>
             <a:fld id="{3F64CD47-0E3D-764A-84DA-729078292D00}" type="datetimeFigureOut">
               <a:rPr lang="en-US" smtClean="0"/>
-              <a:t>2/10/24</a:t>
+              <a:t>2/11/24</a:t>
             </a:fld>
             <a:endParaRPr lang="en-US"/>
           </a:p>
@@ -2916,7 +2921,7 @@
           <a:p>
             <a:fld id="{3F64CD47-0E3D-764A-84DA-729078292D00}" type="datetimeFigureOut">
               <a:rPr lang="en-US" smtClean="0"/>
-              <a:t>2/10/24</a:t>
+              <a:t>2/11/24</a:t>
             </a:fld>
             <a:endParaRPr lang="en-US"/>
           </a:p>
@@ -3555,21 +3560,7 @@
                 <a:effectLst/>
                 <a:latin typeface="Dank Mono"/>
               </a:rPr>
-              <a:t>Empty column was drop and the </a:t>
-            </a:r>
-            <a:r>
-              <a:rPr lang="en-US" b="0" dirty="0" err="1">
-                <a:effectLst/>
-                <a:latin typeface="Dank Mono"/>
-              </a:rPr>
-              <a:t>remaning</a:t>
-            </a:r>
-            <a:r>
-              <a:rPr lang="en-US" b="0" dirty="0">
-                <a:effectLst/>
-                <a:latin typeface="Dank Mono"/>
-              </a:rPr>
-              <a:t> is saved as an updated clean dataset </a:t>
+              <a:t>Empty column was drop and the remaining was saved as an updated clean dataset </a:t>
             </a:r>
           </a:p>
           <a:p>
